--- a/Presentation - Project 02.pptx
+++ b/Presentation - Project 02.pptx
@@ -11972,7 +11972,7 @@
         </p:nvSpPr>
         <p:spPr>
           <a:xfrm>
-            <a:off x="3710763" y="4928180"/>
+            <a:off x="3632070" y="14709"/>
             <a:ext cx="3822802" cy="1286354"/>
           </a:xfrm>
         </p:spPr>
@@ -11984,10 +11984,9 @@
           <a:p>
             <a:pPr algn="r"/>
             <a:r>
-              <a:rPr lang="en-CA" sz="3800" b="1"/>
+              <a:rPr lang="en-CA" sz="4000" b="1" dirty="0"/>
               <a:t>Visualization Tools</a:t>
             </a:r>
-            <a:endParaRPr lang="en-CA" sz="3800" b="1" dirty="0"/>
           </a:p>
         </p:txBody>
       </p:sp>
@@ -12524,42 +12523,6 @@
           </a:p>
         </p:txBody>
       </p:sp>
-      <p:pic>
-        <p:nvPicPr>
-          <p:cNvPr id="7" name="Picture 6" descr="Icon&#10;&#10;Description automatically generated">
-            <a:extLst>
-              <a:ext uri="{FF2B5EF4-FFF2-40B4-BE49-F238E27FC236}">
-                <a16:creationId xmlns:a16="http://schemas.microsoft.com/office/drawing/2014/main" id="{BDDFEE1C-7EA3-435C-9F9D-7A858DBE2BD9}"/>
-              </a:ext>
-            </a:extLst>
-          </p:cNvPr>
-          <p:cNvPicPr>
-            <a:picLocks noChangeAspect="1"/>
-          </p:cNvPicPr>
-          <p:nvPr/>
-        </p:nvPicPr>
-        <p:blipFill>
-          <a:blip r:embed="rId2">
-            <a:extLst>
-              <a:ext uri="{28A0092B-C50C-407E-A947-70E740481C1C}">
-                <a14:useLocalDpi xmlns:a14="http://schemas.microsoft.com/office/drawing/2010/main" val="0"/>
-              </a:ext>
-            </a:extLst>
-          </a:blip>
-          <a:stretch>
-            <a:fillRect/>
-          </a:stretch>
-        </p:blipFill>
-        <p:spPr>
-          <a:xfrm>
-            <a:off x="3349265" y="1589964"/>
-            <a:ext cx="1231746" cy="1162460"/>
-          </a:xfrm>
-          <a:prstGeom prst="rect">
-            <a:avLst/>
-          </a:prstGeom>
-        </p:spPr>
-      </p:pic>
       <p:sp>
         <p:nvSpPr>
           <p:cNvPr id="30" name="Right Triangle 29">
@@ -12667,7 +12630,7 @@
           <p:nvPr/>
         </p:nvPicPr>
         <p:blipFill>
-          <a:blip r:embed="rId3">
+          <a:blip r:embed="rId2">
             <a:extLst>
               <a:ext uri="{28A0092B-C50C-407E-A947-70E740481C1C}">
                 <a14:useLocalDpi xmlns:a14="http://schemas.microsoft.com/office/drawing/2010/main" val="0"/>
@@ -12680,8 +12643,8 @@
         </p:blipFill>
         <p:spPr>
           <a:xfrm>
-            <a:off x="1283976" y="4758225"/>
-            <a:ext cx="1510235" cy="1510235"/>
+            <a:off x="1383565" y="4884151"/>
+            <a:ext cx="1153535" cy="1153535"/>
           </a:xfrm>
           <a:prstGeom prst="rect">
             <a:avLst/>
@@ -12954,7 +12917,7 @@
           <p:nvPr/>
         </p:nvPicPr>
         <p:blipFill>
-          <a:blip r:embed="rId4">
+          <a:blip r:embed="rId3">
             <a:extLst>
               <a:ext uri="{28A0092B-C50C-407E-A947-70E740481C1C}">
                 <a14:useLocalDpi xmlns:a14="http://schemas.microsoft.com/office/drawing/2010/main" val="0"/>
@@ -12967,7 +12930,7 @@
         </p:blipFill>
         <p:spPr>
           <a:xfrm>
-            <a:off x="7725354" y="1217207"/>
+            <a:off x="7737957" y="860585"/>
             <a:ext cx="3644730" cy="1038793"/>
           </a:xfrm>
           <a:prstGeom prst="rect">
@@ -12990,7 +12953,7 @@
           <p:nvPr/>
         </p:nvPicPr>
         <p:blipFill>
-          <a:blip r:embed="rId5">
+          <a:blip r:embed="rId4">
             <a:extLst>
               <a:ext uri="{28A0092B-C50C-407E-A947-70E740481C1C}">
                 <a14:useLocalDpi xmlns:a14="http://schemas.microsoft.com/office/drawing/2010/main" val="0"/>
@@ -13003,7 +12966,7 @@
         </p:blipFill>
         <p:spPr>
           <a:xfrm>
-            <a:off x="318977" y="3204120"/>
+            <a:off x="202091" y="3257952"/>
             <a:ext cx="2656280" cy="927791"/>
           </a:xfrm>
           <a:prstGeom prst="rect">
@@ -13123,13 +13086,13 @@
         </p:nvSpPr>
         <p:spPr>
           <a:xfrm>
-            <a:off x="7855297" y="2437566"/>
+            <a:off x="8034758" y="2520580"/>
             <a:ext cx="3706577" cy="3776968"/>
           </a:xfrm>
         </p:spPr>
         <p:txBody>
           <a:bodyPr anchor="ctr">
-            <a:normAutofit/>
+            <a:normAutofit fontScale="92500" lnSpcReduction="10000"/>
           </a:bodyPr>
           <a:lstStyle/>
           <a:p>
@@ -13137,7 +13100,7 @@
               <a:buNone/>
             </a:pPr>
             <a:r>
-              <a:rPr lang="en-CA" sz="2000"/>
+              <a:rPr lang="en-CA" sz="2000" b="1" dirty="0"/>
               <a:t>Our visualization dashboard consists of the following technologies:</a:t>
             </a:r>
           </a:p>
@@ -13145,44 +13108,59 @@
             <a:pPr marL="0" indent="0">
               <a:buNone/>
             </a:pPr>
-            <a:endParaRPr lang="en-CA" sz="2000"/>
+            <a:endParaRPr lang="en-CA" sz="2000" b="1" dirty="0"/>
           </a:p>
           <a:p>
             <a:r>
-              <a:rPr lang="en-CA" sz="2000"/>
-              <a:t> HTML/CSS</a:t>
+              <a:rPr lang="en-CA" sz="2000" b="1" dirty="0"/>
+              <a:t> HTML/CSS/JS</a:t>
             </a:r>
           </a:p>
           <a:p>
             <a:r>
-              <a:rPr lang="en-CA" sz="2000"/>
+              <a:rPr lang="en-CA" sz="2000" b="1" dirty="0"/>
               <a:t> Bootstrap</a:t>
             </a:r>
           </a:p>
           <a:p>
             <a:r>
-              <a:rPr lang="en-CA" sz="2000"/>
-              <a:t> Mapbox</a:t>
+              <a:rPr lang="en-CA" sz="2000" b="1" dirty="0"/>
+              <a:t> </a:t>
             </a:r>
-          </a:p>
-          <a:p>
             <a:r>
-              <a:rPr lang="en-CA" sz="2000"/>
-              <a:t> D3.js</a:t>
+              <a:rPr lang="en-CA" sz="2000" b="1" dirty="0" err="1"/>
+              <a:t>Mapbox</a:t>
             </a:r>
+            <a:endParaRPr lang="en-CA" sz="2000" b="1" dirty="0"/>
           </a:p>
           <a:p>
             <a:r>
-              <a:rPr lang="en-CA" sz="2000"/>
-              <a:t> Plotly.js</a:t>
+              <a:rPr lang="en-CA" sz="2000" b="1" dirty="0"/>
+              <a:t>Leaflet</a:t>
             </a:r>
           </a:p>
           <a:p>
             <a:r>
-              <a:rPr lang="en-CA" sz="2000"/>
-              <a:t> Leaflet.js</a:t>
+              <a:rPr lang="en-CA" sz="2000" b="1" dirty="0"/>
+              <a:t> D3</a:t>
             </a:r>
-            <a:endParaRPr lang="en-CA" sz="2000" dirty="0"/>
+          </a:p>
+          <a:p>
+            <a:r>
+              <a:rPr lang="en-CA" sz="2000" b="1" dirty="0"/>
+              <a:t> </a:t>
+            </a:r>
+            <a:r>
+              <a:rPr lang="en-CA" sz="2000" b="1" dirty="0" err="1"/>
+              <a:t>Plotly</a:t>
+            </a:r>
+            <a:endParaRPr lang="en-CA" sz="2000" b="1" dirty="0"/>
+          </a:p>
+          <a:p>
+            <a:r>
+              <a:rPr lang="en-CA" sz="2000" b="1" dirty="0"/>
+              <a:t> Leaflet</a:t>
+            </a:r>
           </a:p>
         </p:txBody>
       </p:sp>
@@ -13201,7 +13179,7 @@
           <p:nvPr/>
         </p:nvPicPr>
         <p:blipFill>
-          <a:blip r:embed="rId6">
+          <a:blip r:embed="rId5">
             <a:extLst>
               <a:ext uri="{28A0092B-C50C-407E-A947-70E740481C1C}">
                 <a14:useLocalDpi xmlns:a14="http://schemas.microsoft.com/office/drawing/2010/main" val="0"/>
@@ -13214,7 +13192,7 @@
         </p:blipFill>
         <p:spPr>
           <a:xfrm>
-            <a:off x="4312487" y="3204003"/>
+            <a:off x="4050948" y="4988978"/>
             <a:ext cx="3219941" cy="1034009"/>
           </a:xfrm>
           <a:prstGeom prst="rect">
@@ -13237,7 +13215,7 @@
           <p:nvPr/>
         </p:nvPicPr>
         <p:blipFill>
-          <a:blip r:embed="rId7">
+          <a:blip r:embed="rId6">
             <a:extLst>
               <a:ext uri="{28A0092B-C50C-407E-A947-70E740481C1C}">
                 <a14:useLocalDpi xmlns:a14="http://schemas.microsoft.com/office/drawing/2010/main" val="0"/>
@@ -13250,8 +13228,104 @@
         </p:blipFill>
         <p:spPr>
           <a:xfrm>
-            <a:off x="782328" y="206256"/>
-            <a:ext cx="933997" cy="1151731"/>
+            <a:off x="601036" y="70964"/>
+            <a:ext cx="1131796" cy="1395641"/>
+          </a:xfrm>
+          <a:prstGeom prst="rect">
+            <a:avLst/>
+          </a:prstGeom>
+        </p:spPr>
+      </p:pic>
+      <p:pic>
+        <p:nvPicPr>
+          <p:cNvPr id="6" name="Picture 5">
+            <a:extLst>
+              <a:ext uri="{FF2B5EF4-FFF2-40B4-BE49-F238E27FC236}">
+                <a16:creationId xmlns:a16="http://schemas.microsoft.com/office/drawing/2014/main" id="{17A7B563-B57F-4C95-8DE3-E5E3169F4ED8}"/>
+              </a:ext>
+            </a:extLst>
+          </p:cNvPr>
+          <p:cNvPicPr>
+            <a:picLocks noChangeAspect="1"/>
+          </p:cNvPicPr>
+          <p:nvPr/>
+        </p:nvPicPr>
+        <p:blipFill>
+          <a:blip r:embed="rId7"/>
+          <a:stretch>
+            <a:fillRect/>
+          </a:stretch>
+        </p:blipFill>
+        <p:spPr>
+          <a:xfrm>
+            <a:off x="3162661" y="1303813"/>
+            <a:ext cx="1092261" cy="1438907"/>
+          </a:xfrm>
+          <a:prstGeom prst="rect">
+            <a:avLst/>
+          </a:prstGeom>
+        </p:spPr>
+      </p:pic>
+      <p:pic>
+        <p:nvPicPr>
+          <p:cNvPr id="10" name="Picture 9">
+            <a:extLst>
+              <a:ext uri="{FF2B5EF4-FFF2-40B4-BE49-F238E27FC236}">
+                <a16:creationId xmlns:a16="http://schemas.microsoft.com/office/drawing/2014/main" id="{3A2FD1EB-7669-4F2C-B5E1-ADA6B711C951}"/>
+              </a:ext>
+            </a:extLst>
+          </p:cNvPr>
+          <p:cNvPicPr>
+            <a:picLocks noChangeAspect="1"/>
+          </p:cNvPicPr>
+          <p:nvPr/>
+        </p:nvPicPr>
+        <p:blipFill>
+          <a:blip r:embed="rId8"/>
+          <a:stretch>
+            <a:fillRect/>
+          </a:stretch>
+        </p:blipFill>
+        <p:spPr>
+          <a:xfrm>
+            <a:off x="6084383" y="1247075"/>
+            <a:ext cx="1161905" cy="1552381"/>
+          </a:xfrm>
+          <a:prstGeom prst="rect">
+            <a:avLst/>
+          </a:prstGeom>
+        </p:spPr>
+      </p:pic>
+      <p:pic>
+        <p:nvPicPr>
+          <p:cNvPr id="7" name="Picture 6" descr="Icon&#10;&#10;Description automatically generated">
+            <a:extLst>
+              <a:ext uri="{FF2B5EF4-FFF2-40B4-BE49-F238E27FC236}">
+                <a16:creationId xmlns:a16="http://schemas.microsoft.com/office/drawing/2014/main" id="{BDDFEE1C-7EA3-435C-9F9D-7A858DBE2BD9}"/>
+              </a:ext>
+            </a:extLst>
+          </p:cNvPr>
+          <p:cNvPicPr>
+            <a:picLocks noChangeAspect="1"/>
+          </p:cNvPicPr>
+          <p:nvPr/>
+        </p:nvPicPr>
+        <p:blipFill>
+          <a:blip r:embed="rId9">
+            <a:extLst>
+              <a:ext uri="{28A0092B-C50C-407E-A947-70E740481C1C}">
+                <a14:useLocalDpi xmlns:a14="http://schemas.microsoft.com/office/drawing/2010/main" val="0"/>
+              </a:ext>
+            </a:extLst>
+          </a:blip>
+          <a:stretch>
+            <a:fillRect/>
+          </a:stretch>
+        </p:blipFill>
+        <p:spPr>
+          <a:xfrm>
+            <a:off x="4773786" y="3226598"/>
+            <a:ext cx="1231746" cy="1162460"/>
           </a:xfrm>
           <a:prstGeom prst="rect">
             <a:avLst/>
